--- a/PowerPoints/05 - Lexical Analysis.pptx
+++ b/PowerPoints/05 - Lexical Analysis.pptx
@@ -6656,7 +6656,7 @@
           <a:p>
             <a:r>
               <a:rPr lang="en-US" dirty="0"/>
-              <a:t>The additional information provided by a token is used for error reporting, constraint analysis, and code generation, but it is not to determine if the program is syntactically correct.</a:t>
+              <a:t>The additional information provided by a token is used for error reporting, constraint analysis, and code generation, but it is not used to determine if the program is syntactically correct.</a:t>
             </a:r>
           </a:p>
           <a:p>
@@ -8448,7 +8448,7 @@
               <a:rPr lang="en-US" sz="1800" dirty="0">
                 <a:latin typeface="Consolas" panose="020B0609020204030204" pitchFamily="49" charset="0"/>
               </a:rPr>
-              <a:t>fun get(i : Int) : Token</a:t>
+              <a:t>operator fun get(i : Int) : Token</a:t>
             </a:r>
           </a:p>
           <a:p>
@@ -10944,7 +10944,7 @@
         </p:nvSpPr>
         <p:spPr>
           <a:xfrm>
-            <a:off x="721896" y="3962036"/>
+            <a:off x="851560" y="4050268"/>
             <a:ext cx="3339440" cy="369332"/>
           </a:xfrm>
           <a:prstGeom prst="rect">
@@ -11135,7 +11135,7 @@
           <a:p>
             <a:r>
               <a:rPr lang="en-US" sz="2300" dirty="0"/>
-              <a:t>Most parsing decisions can be made by using the symbol returned from </a:t>
+              <a:t>Most parsing decisions can be made by using the symbol returned from property </a:t>
             </a:r>
             <a:r>
               <a:rPr lang="en-US" sz="2300" dirty="0">
@@ -11164,11 +11164,21 @@
               <a:rPr lang="en-US" dirty="0">
                 <a:latin typeface="Consolas" panose="020B0609020204030204" pitchFamily="49" charset="0"/>
               </a:rPr>
-              <a:t>lookahead()</a:t>
+              <a:t>lookahead(2)</a:t>
             </a:r>
             <a:r>
               <a:rPr lang="en-US" dirty="0"/>
-              <a:t> with a parameter value of 2 or more</a:t>
+              <a:t>, </a:t>
+            </a:r>
+            <a:r>
+              <a:rPr lang="en-US" dirty="0">
+                <a:latin typeface="Consolas" panose="020B0609020204030204" pitchFamily="49" charset="0"/>
+              </a:rPr>
+              <a:t>lookahead(3)</a:t>
+            </a:r>
+            <a:r>
+              <a:rPr lang="en-US" dirty="0"/>
+              <a:t>, etc.</a:t>
             </a:r>
           </a:p>
           <a:p>
@@ -11502,19 +11512,7 @@
               <a:rPr lang="en-US" sz="1750" dirty="0">
                 <a:latin typeface="Consolas" pitchFamily="49" charset="0"/>
               </a:rPr>
-              <a:t>    </a:t>
-            </a:r>
-            <a:r>
-              <a:rPr lang="en-US" sz="1750" dirty="0" err="1">
-                <a:latin typeface="Consolas" pitchFamily="49" charset="0"/>
-              </a:rPr>
-              <a:t>lateinit</a:t>
-            </a:r>
-            <a:r>
-              <a:rPr lang="en-US" sz="1750" dirty="0">
-                <a:latin typeface="Consolas" pitchFamily="49" charset="0"/>
-              </a:rPr>
-              <a:t> var position : Position</a:t>
+              <a:t>    var position = Position()</a:t>
             </a:r>
           </a:p>
           <a:p>
@@ -13851,7 +13849,19 @@
               <a:rPr lang="en-US" sz="1800" dirty="0">
                 <a:latin typeface="Consolas" pitchFamily="49" charset="0"/>
               </a:rPr>
-              <a:t>    clearScanBuffer()</a:t>
+              <a:t>    </a:t>
+            </a:r>
+            <a:r>
+              <a:rPr lang="en-US" sz="1800" dirty="0" err="1">
+                <a:latin typeface="Consolas" pitchFamily="49" charset="0"/>
+              </a:rPr>
+              <a:t>scanBuffer.clear</a:t>
+            </a:r>
+            <a:r>
+              <a:rPr lang="en-US" sz="1800" dirty="0">
+                <a:latin typeface="Consolas" pitchFamily="49" charset="0"/>
+              </a:rPr>
+              <a:t>()</a:t>
             </a:r>
           </a:p>
           <a:p>
@@ -15028,7 +15038,7 @@
               <a:rPr lang="en-US" sz="1800" dirty="0">
                 <a:latin typeface="Consolas" panose="020B0609020204030204" pitchFamily="49" charset="0"/>
               </a:rPr>
-              <a:t>)</a:t>
+              <a:t>) Symbol.EOF</a:t>
             </a:r>
           </a:p>
           <a:p>
@@ -15042,35 +15052,7 @@
               <a:rPr lang="en-US" sz="1800" dirty="0">
                 <a:latin typeface="Consolas" panose="020B0609020204030204" pitchFamily="49" charset="0"/>
               </a:rPr>
-              <a:t>                Symbol.EOF</a:t>
-            </a:r>
-          </a:p>
-          <a:p>
-            <a:pPr marL="274320" indent="0">
-              <a:spcBef>
-                <a:spcPts val="200"/>
-              </a:spcBef>
-              <a:buNone/>
-            </a:pPr>
-            <a:r>
-              <a:rPr lang="en-US" sz="1800" dirty="0">
-                <a:latin typeface="Consolas" panose="020B0609020204030204" pitchFamily="49" charset="0"/>
-              </a:rPr>
-              <a:t>             else</a:t>
-            </a:r>
-          </a:p>
-          <a:p>
-            <a:pPr marL="274320" indent="0">
-              <a:spcBef>
-                <a:spcPts val="200"/>
-              </a:spcBef>
-              <a:buNone/>
-            </a:pPr>
-            <a:r>
-              <a:rPr lang="en-US" sz="1800" dirty="0">
-                <a:latin typeface="Consolas" panose="020B0609020204030204" pitchFamily="49" charset="0"/>
-              </a:rPr>
-              <a:t>                </a:t>
+              <a:t>             else </a:t>
             </a:r>
             <a:r>
               <a:rPr lang="en-US" sz="1800" dirty="0" err="1">
@@ -15237,7 +15219,7 @@
           <a:p>
             <a:r>
               <a:rPr lang="en-US" dirty="0"/>
-              <a:t>There are several checks for internal consistency throughout the compiler, most of which make use of Kotlin/Java assertions.</a:t>
+              <a:t>There are several checks for internal consistency throughout the compiler, most of which make use of Kotlin assertions.</a:t>
             </a:r>
           </a:p>
           <a:p>
@@ -15277,7 +15259,7 @@
               <a:rPr lang="en-US" sz="1800" dirty="0">
                 <a:latin typeface="Consolas" panose="020B0609020204030204" pitchFamily="49" charset="0"/>
               </a:rPr>
-              <a:t>    { "Check integer literal start for digit at position " +</a:t>
+              <a:t>  { "Check integer literal start for digit at position " +</a:t>
             </a:r>
           </a:p>
           <a:p>
@@ -15309,7 +15291,7 @@
           <a:p>
             <a:r>
               <a:rPr lang="en-US" dirty="0"/>
-              <a:t>By default, Java assertions are disabled at runtime. They are enabled by a switch to the </a:t>
+              <a:t>By default, Kotlin assertions are disabled at runtime on the JVM. They are enabled by a switch to the </a:t>
             </a:r>
             <a:r>
               <a:rPr lang="en-US" dirty="0">
@@ -15679,7 +15661,7 @@
               <a:rPr lang="en-US" sz="1800" dirty="0">
                 <a:latin typeface="Consolas" pitchFamily="49" charset="0"/>
               </a:rPr>
-              <a:t>, StandardCharsets.UTF_8)</a:t>
+              <a:t>, Charsets.UTF_8)</a:t>
             </a:r>
           </a:p>
           <a:p>
@@ -17705,7 +17687,7 @@
               <a:rPr lang="en-US" sz="1800" dirty="0">
                 <a:latin typeface="Consolas" pitchFamily="49" charset="0"/>
               </a:rPr>
-              <a:t>   = </a:t>
+              <a:t> = </a:t>
             </a:r>
             <a:r>
               <a:rPr lang="en-US" sz="1800" dirty="0" err="1">
@@ -17738,25 +17720,91 @@
               <a:rPr lang="en-US" sz="1800" dirty="0">
                 <a:latin typeface="Consolas" pitchFamily="49" charset="0"/>
               </a:rPr>
-              <a:t> </a:t>
+              <a:t> reader   = </a:t>
             </a:r>
             <a:r>
               <a:rPr lang="en-US" sz="1800" dirty="0" err="1">
                 <a:latin typeface="Consolas" pitchFamily="49" charset="0"/>
               </a:rPr>
+              <a:t>FileReader</a:t>
+            </a:r>
+            <a:r>
+              <a:rPr lang="en-US" sz="1800" dirty="0">
+                <a:latin typeface="Consolas" pitchFamily="49" charset="0"/>
+              </a:rPr>
+              <a:t>(</a:t>
+            </a:r>
+            <a:r>
+              <a:rPr lang="en-US" sz="1800" dirty="0" err="1">
+                <a:latin typeface="Consolas" pitchFamily="49" charset="0"/>
+              </a:rPr>
+              <a:t>fileName</a:t>
+            </a:r>
+            <a:r>
+              <a:rPr lang="en-US" sz="1800" dirty="0">
+                <a:latin typeface="Consolas" pitchFamily="49" charset="0"/>
+              </a:rPr>
+              <a:t>, Charsets.UTF_8)</a:t>
+            </a:r>
+          </a:p>
+          <a:p>
+            <a:pPr marL="91440" indent="0">
+              <a:spcBef>
+                <a:spcPts val="0"/>
+              </a:spcBef>
+              <a:buFontTx/>
+              <a:buNone/>
+            </a:pPr>
+            <a:r>
+              <a:rPr lang="en-US" sz="1800" dirty="0" err="1">
+                <a:latin typeface="Consolas" pitchFamily="49" charset="0"/>
+              </a:rPr>
+              <a:t>val</a:t>
+            </a:r>
+            <a:r>
+              <a:rPr lang="en-US" sz="1800" dirty="0">
+                <a:latin typeface="Consolas" pitchFamily="49" charset="0"/>
+              </a:rPr>
+              <a:t> source   = Source(</a:t>
+            </a:r>
+            <a:r>
+              <a:rPr lang="en-US" sz="1800" dirty="0" err="1">
+                <a:latin typeface="Consolas" pitchFamily="49" charset="0"/>
+              </a:rPr>
               <a:t>fileReader</a:t>
             </a:r>
             <a:r>
               <a:rPr lang="en-US" sz="1800" dirty="0">
                 <a:latin typeface="Consolas" pitchFamily="49" charset="0"/>
               </a:rPr>
-              <a:t> = </a:t>
-            </a:r>
+              <a:t>)</a:t>
+            </a:r>
+          </a:p>
+          <a:p>
+            <a:pPr marL="91440" indent="0">
+              <a:spcBef>
+                <a:spcPts val="0"/>
+              </a:spcBef>
+              <a:buFontTx/>
+              <a:buNone/>
+            </a:pPr>
             <a:r>
               <a:rPr lang="en-US" sz="1800" dirty="0" err="1">
                 <a:latin typeface="Consolas" pitchFamily="49" charset="0"/>
               </a:rPr>
-              <a:t>FileReader</a:t>
+              <a:t>val</a:t>
+            </a:r>
+            <a:r>
+              <a:rPr lang="en-US" sz="1800" dirty="0">
+                <a:latin typeface="Consolas" pitchFamily="49" charset="0"/>
+              </a:rPr>
+              <a:t> out      = </a:t>
+            </a:r>
+            <a:r>
+              <a:rPr lang="en-US" sz="1800" dirty="0" err="1">
+                <a:latin typeface="Consolas" pitchFamily="49" charset="0"/>
+              </a:rPr>
+              <a:t>PrintStream</a:t>
             </a:r>
             <a:r>
               <a:rPr lang="en-US" sz="1800" dirty="0">
@@ -17768,106 +17816,13 @@
               <a:rPr lang="en-US" sz="1800" dirty="0" err="1">
                 <a:latin typeface="Consolas" pitchFamily="49" charset="0"/>
               </a:rPr>
-              <a:t>fileName</a:t>
-            </a:r>
-            <a:r>
-              <a:rPr lang="en-US" sz="1800" dirty="0">
-                <a:latin typeface="Consolas" pitchFamily="49" charset="0"/>
-              </a:rPr>
-              <a:t>, StandardCharsets.UTF_8)</a:t>
-            </a:r>
-          </a:p>
-          <a:p>
-            <a:pPr marL="91440" indent="0">
-              <a:spcBef>
-                <a:spcPts val="0"/>
-              </a:spcBef>
-              <a:buFontTx/>
-              <a:buNone/>
-            </a:pPr>
-            <a:r>
-              <a:rPr lang="en-US" sz="1800" dirty="0" err="1">
-                <a:latin typeface="Consolas" pitchFamily="49" charset="0"/>
-              </a:rPr>
-              <a:t>val</a:t>
-            </a:r>
-            <a:r>
-              <a:rPr lang="en-US" sz="1800" dirty="0">
-                <a:latin typeface="Consolas" pitchFamily="49" charset="0"/>
-              </a:rPr>
-              <a:t> source     = Source(</a:t>
-            </a:r>
-            <a:r>
-              <a:rPr lang="en-US" sz="1800" dirty="0" err="1">
-                <a:latin typeface="Consolas" pitchFamily="49" charset="0"/>
-              </a:rPr>
-              <a:t>fileReader</a:t>
-            </a:r>
-            <a:r>
-              <a:rPr lang="en-US" sz="1800" dirty="0">
-                <a:latin typeface="Consolas" pitchFamily="49" charset="0"/>
-              </a:rPr>
-              <a:t>)</a:t>
-            </a:r>
-          </a:p>
-          <a:p>
-            <a:pPr marL="91440" indent="0">
-              <a:spcBef>
-                <a:spcPts val="0"/>
-              </a:spcBef>
-              <a:buFontTx/>
-              <a:buNone/>
-            </a:pPr>
-            <a:r>
-              <a:rPr lang="en-US" sz="1800" dirty="0" err="1">
-                <a:latin typeface="Consolas" pitchFamily="49" charset="0"/>
-              </a:rPr>
-              <a:t>val</a:t>
-            </a:r>
-            <a:r>
-              <a:rPr lang="en-US" sz="1800" dirty="0">
-                <a:latin typeface="Consolas" pitchFamily="49" charset="0"/>
-              </a:rPr>
-              <a:t> out        = </a:t>
-            </a:r>
-            <a:r>
-              <a:rPr lang="en-US" sz="1800" dirty="0" err="1">
-                <a:latin typeface="Consolas" pitchFamily="49" charset="0"/>
-              </a:rPr>
-              <a:t>PrintStream</a:t>
-            </a:r>
-            <a:r>
-              <a:rPr lang="en-US" sz="1800" dirty="0">
-                <a:latin typeface="Consolas" pitchFamily="49" charset="0"/>
-              </a:rPr>
-              <a:t>(</a:t>
-            </a:r>
-            <a:r>
-              <a:rPr lang="en-US" sz="1800" dirty="0" err="1">
-                <a:latin typeface="Consolas" pitchFamily="49" charset="0"/>
-              </a:rPr>
               <a:t>System.out</a:t>
             </a:r>
             <a:r>
               <a:rPr lang="en-US" sz="1800" dirty="0">
                 <a:latin typeface="Consolas" pitchFamily="49" charset="0"/>
               </a:rPr>
-              <a:t>, true, </a:t>
-            </a:r>
-          </a:p>
-          <a:p>
-            <a:pPr marL="91440" indent="0">
-              <a:spcBef>
-                <a:spcPts val="0"/>
-              </a:spcBef>
-              <a:buFontTx/>
-              <a:buNone/>
-            </a:pPr>
-            <a:r>
-              <a:rPr lang="en-US" sz="1800" dirty="0">
-                <a:latin typeface="Consolas" pitchFamily="49" charset="0"/>
-              </a:rPr>
-              <a:t>                             StandardCharsets.UTF_8)</a:t>
+              <a:t>, true, Charsets.UTF_8)</a:t>
             </a:r>
           </a:p>
           <a:p>
@@ -17966,8 +17921,23 @@
               <a:rPr lang="en-US" sz="1800" dirty="0" err="1">
                 <a:latin typeface="Consolas" pitchFamily="49" charset="0"/>
               </a:rPr>
-              <a:t>source.currentChar</a:t>
-            </a:r>
+              <a:t>source.currentChar.toChar</a:t>
+            </a:r>
+            <a:r>
+              <a:rPr lang="en-US" sz="1800" dirty="0">
+                <a:latin typeface="Consolas" pitchFamily="49" charset="0"/>
+              </a:rPr>
+              <a:t>()</a:t>
+            </a:r>
+          </a:p>
+          <a:p>
+            <a:pPr marL="91440" indent="0">
+              <a:spcBef>
+                <a:spcPts val="0"/>
+              </a:spcBef>
+              <a:buFontTx/>
+              <a:buNone/>
+            </a:pPr>
             <a:endParaRPr lang="en-US" sz="1800" dirty="0">
               <a:latin typeface="Consolas" pitchFamily="49" charset="0"/>
             </a:endParaRPr>
@@ -17980,180 +17950,117 @@
               <a:buFontTx/>
               <a:buNone/>
             </a:pPr>
+            <a:r>
+              <a:rPr lang="en-US" sz="1800" dirty="0">
+                <a:latin typeface="Consolas" pitchFamily="49" charset="0"/>
+              </a:rPr>
+              <a:t>    if (c == '\n')</a:t>
+            </a:r>
+          </a:p>
+          <a:p>
+            <a:pPr marL="91440" indent="0">
+              <a:spcBef>
+                <a:spcPts val="0"/>
+              </a:spcBef>
+              <a:buFontTx/>
+              <a:buNone/>
+            </a:pPr>
+            <a:r>
+              <a:rPr lang="en-US" sz="1800" dirty="0">
+                <a:latin typeface="Consolas" pitchFamily="49" charset="0"/>
+              </a:rPr>
+              <a:t>        </a:t>
+            </a:r>
+            <a:r>
+              <a:rPr lang="en-US" sz="1800" dirty="0" err="1">
+                <a:latin typeface="Consolas" pitchFamily="49" charset="0"/>
+              </a:rPr>
+              <a:t>out.println</a:t>
+            </a:r>
+            <a:r>
+              <a:rPr lang="en-US" sz="1800" dirty="0">
+                <a:latin typeface="Consolas" pitchFamily="49" charset="0"/>
+              </a:rPr>
+              <a:t>("\\n\t ${</a:t>
+            </a:r>
+            <a:r>
+              <a:rPr lang="en-US" sz="1800" dirty="0" err="1">
+                <a:latin typeface="Consolas" pitchFamily="49" charset="0"/>
+              </a:rPr>
+              <a:t>source.charPosition</a:t>
+            </a:r>
+            <a:r>
+              <a:rPr lang="en-US" sz="1800" dirty="0">
+                <a:latin typeface="Consolas" pitchFamily="49" charset="0"/>
+              </a:rPr>
+              <a:t>}")</a:t>
+            </a:r>
+          </a:p>
+          <a:p>
+            <a:pPr marL="91440" indent="0">
+              <a:spcBef>
+                <a:spcPts val="0"/>
+              </a:spcBef>
+              <a:buFontTx/>
+              <a:buNone/>
+            </a:pPr>
+            <a:r>
+              <a:rPr lang="en-US" sz="1800" dirty="0">
+                <a:latin typeface="Consolas" pitchFamily="49" charset="0"/>
+              </a:rPr>
+              <a:t>    else if (c != '\r')</a:t>
+            </a:r>
+          </a:p>
+          <a:p>
+            <a:pPr marL="91440" indent="0">
+              <a:spcBef>
+                <a:spcPts val="0"/>
+              </a:spcBef>
+              <a:buFontTx/>
+              <a:buNone/>
+            </a:pPr>
+            <a:r>
+              <a:rPr lang="en-US" sz="1800" dirty="0">
+                <a:latin typeface="Consolas" pitchFamily="49" charset="0"/>
+              </a:rPr>
+              <a:t>        </a:t>
+            </a:r>
+            <a:r>
+              <a:rPr lang="en-US" sz="1800" dirty="0" err="1">
+                <a:latin typeface="Consolas" pitchFamily="49" charset="0"/>
+              </a:rPr>
+              <a:t>out.println</a:t>
+            </a:r>
+            <a:r>
+              <a:rPr lang="en-US" sz="1800" dirty="0">
+                <a:latin typeface="Consolas" pitchFamily="49" charset="0"/>
+              </a:rPr>
+              <a:t>("$c\t ${</a:t>
+            </a:r>
+            <a:r>
+              <a:rPr lang="en-US" sz="1800" dirty="0" err="1">
+                <a:latin typeface="Consolas" pitchFamily="49" charset="0"/>
+              </a:rPr>
+              <a:t>source.charPosition</a:t>
+            </a:r>
+            <a:r>
+              <a:rPr lang="en-US" sz="1800" dirty="0">
+                <a:latin typeface="Consolas" pitchFamily="49" charset="0"/>
+              </a:rPr>
+              <a:t>}")</a:t>
+            </a:r>
+          </a:p>
+          <a:p>
+            <a:pPr marL="91440" indent="0">
+              <a:spcBef>
+                <a:spcPts val="0"/>
+              </a:spcBef>
+              <a:buFontTx/>
+              <a:buNone/>
+            </a:pPr>
             <a:endParaRPr lang="en-US" sz="1800" dirty="0">
               <a:latin typeface="Consolas" pitchFamily="49" charset="0"/>
             </a:endParaRPr>
-          </a:p>
-          <a:p>
-            <a:pPr marL="91440" indent="0">
-              <a:spcBef>
-                <a:spcPts val="0"/>
-              </a:spcBef>
-              <a:buFontTx/>
-              <a:buNone/>
-            </a:pPr>
-            <a:r>
-              <a:rPr lang="en-US" sz="1800" dirty="0">
-                <a:latin typeface="Consolas" pitchFamily="49" charset="0"/>
-              </a:rPr>
-              <a:t>    if (c == '\</a:t>
-            </a:r>
-            <a:r>
-              <a:rPr lang="en-US" sz="1800" dirty="0" err="1">
-                <a:latin typeface="Consolas" pitchFamily="49" charset="0"/>
-              </a:rPr>
-              <a:t>n'.code</a:t>
-            </a:r>
-            <a:r>
-              <a:rPr lang="en-US" sz="1800" dirty="0">
-                <a:latin typeface="Consolas" pitchFamily="49" charset="0"/>
-              </a:rPr>
-              <a:t>)</a:t>
-            </a:r>
-          </a:p>
-          <a:p>
-            <a:pPr marL="91440" indent="0">
-              <a:spcBef>
-                <a:spcPts val="0"/>
-              </a:spcBef>
-              <a:buFontTx/>
-              <a:buNone/>
-            </a:pPr>
-            <a:r>
-              <a:rPr lang="en-US" sz="1800" dirty="0">
-                <a:latin typeface="Consolas" pitchFamily="49" charset="0"/>
-              </a:rPr>
-              <a:t>        </a:t>
-            </a:r>
-            <a:r>
-              <a:rPr lang="en-US" sz="1800" dirty="0" err="1">
-                <a:latin typeface="Consolas" pitchFamily="49" charset="0"/>
-              </a:rPr>
-              <a:t>out.print</a:t>
-            </a:r>
-            <a:r>
-              <a:rPr lang="en-US" sz="1800" dirty="0">
-                <a:latin typeface="Consolas" pitchFamily="49" charset="0"/>
-              </a:rPr>
-              <a:t>("\\n")</a:t>
-            </a:r>
-          </a:p>
-          <a:p>
-            <a:pPr marL="91440" indent="0">
-              <a:spcBef>
-                <a:spcPts val="0"/>
-              </a:spcBef>
-              <a:buFontTx/>
-              <a:buNone/>
-            </a:pPr>
-            <a:r>
-              <a:rPr lang="en-US" sz="1800" dirty="0">
-                <a:latin typeface="Consolas" pitchFamily="49" charset="0"/>
-              </a:rPr>
-              <a:t>    else if (c != '\</a:t>
-            </a:r>
-            <a:r>
-              <a:rPr lang="en-US" sz="1800" dirty="0" err="1">
-                <a:latin typeface="Consolas" pitchFamily="49" charset="0"/>
-              </a:rPr>
-              <a:t>r'.code</a:t>
-            </a:r>
-            <a:r>
-              <a:rPr lang="en-US" sz="1800" dirty="0">
-                <a:latin typeface="Consolas" pitchFamily="49" charset="0"/>
-              </a:rPr>
-              <a:t>)</a:t>
-            </a:r>
-          </a:p>
-          <a:p>
-            <a:pPr marL="91440" indent="0">
-              <a:spcBef>
-                <a:spcPts val="0"/>
-              </a:spcBef>
-              <a:buFontTx/>
-              <a:buNone/>
-            </a:pPr>
-            <a:r>
-              <a:rPr lang="en-US" sz="1800" dirty="0">
-                <a:latin typeface="Consolas" pitchFamily="49" charset="0"/>
-              </a:rPr>
-              <a:t>        </a:t>
-            </a:r>
-            <a:r>
-              <a:rPr lang="en-US" sz="1800" dirty="0" err="1">
-                <a:latin typeface="Consolas" pitchFamily="49" charset="0"/>
-              </a:rPr>
-              <a:t>out.print</a:t>
-            </a:r>
-            <a:r>
-              <a:rPr lang="en-US" sz="1800" dirty="0">
-                <a:latin typeface="Consolas" pitchFamily="49" charset="0"/>
-              </a:rPr>
-              <a:t>(</a:t>
-            </a:r>
-            <a:r>
-              <a:rPr lang="en-US" sz="1800" dirty="0" err="1">
-                <a:latin typeface="Consolas" pitchFamily="49" charset="0"/>
-              </a:rPr>
-              <a:t>c.toChar</a:t>
-            </a:r>
-            <a:r>
-              <a:rPr lang="en-US" sz="1800" dirty="0">
-                <a:latin typeface="Consolas" pitchFamily="49" charset="0"/>
-              </a:rPr>
-              <a:t>())</a:t>
-            </a:r>
-          </a:p>
-          <a:p>
-            <a:pPr marL="91440" indent="0">
-              <a:spcBef>
-                <a:spcPts val="0"/>
-              </a:spcBef>
-              <a:buFontTx/>
-              <a:buNone/>
-            </a:pPr>
-            <a:endParaRPr lang="en-US" sz="1800" dirty="0">
-              <a:latin typeface="Consolas" pitchFamily="49" charset="0"/>
-            </a:endParaRPr>
-          </a:p>
-          <a:p>
-            <a:pPr marL="91440" indent="0">
-              <a:spcBef>
-                <a:spcPts val="0"/>
-              </a:spcBef>
-              <a:buFontTx/>
-              <a:buNone/>
-            </a:pPr>
-            <a:r>
-              <a:rPr lang="en-US" sz="1800" dirty="0">
-                <a:latin typeface="Consolas" pitchFamily="49" charset="0"/>
-              </a:rPr>
-              <a:t>    </a:t>
-            </a:r>
-            <a:r>
-              <a:rPr lang="en-US" sz="1800" dirty="0" err="1">
-                <a:latin typeface="Consolas" pitchFamily="49" charset="0"/>
-              </a:rPr>
-              <a:t>println</a:t>
-            </a:r>
-            <a:r>
-              <a:rPr lang="en-US" sz="1800" dirty="0">
-                <a:latin typeface="Consolas" pitchFamily="49" charset="0"/>
-              </a:rPr>
-              <a:t>("\t ${</a:t>
-            </a:r>
-            <a:r>
-              <a:rPr lang="en-US" sz="1800" dirty="0" err="1">
-                <a:latin typeface="Consolas" pitchFamily="49" charset="0"/>
-              </a:rPr>
-              <a:t>source.charPosition</a:t>
-            </a:r>
-            <a:r>
-              <a:rPr lang="en-US" sz="1800" dirty="0">
-                <a:latin typeface="Consolas" pitchFamily="49" charset="0"/>
-              </a:rPr>
-              <a:t>}")</a:t>
-            </a:r>
           </a:p>
           <a:p>
             <a:pPr marL="91440" indent="0">

--- a/PowerPoints/05 - Lexical Analysis.pptx
+++ b/PowerPoints/05 - Lexical Analysis.pptx
@@ -6814,17 +6814,27 @@
           <a:p>
             <a:r>
               <a:rPr lang="en-US" dirty="0"/>
-              <a:t>“</a:t>
+              <a:t>“"</a:t>
             </a:r>
             <a:r>
               <a:rPr lang="en-US" dirty="0">
                 <a:latin typeface="Consolas" panose="020B0609020204030204" pitchFamily="49" charset="0"/>
               </a:rPr>
-              <a:t>Hello, world.</a:t>
+              <a:t>Hello, </a:t>
+            </a:r>
+            <a:r>
+              <a:rPr lang="en-US">
+                <a:latin typeface="Consolas" panose="020B0609020204030204" pitchFamily="49" charset="0"/>
+              </a:rPr>
+              <a:t>world.</a:t>
+            </a:r>
+            <a:r>
+              <a:rPr lang="en-US"/>
+              <a:t>"” </a:t>
             </a:r>
             <a:r>
               <a:rPr lang="en-US" dirty="0"/>
-              <a:t>” for a string literal</a:t>
+              <a:t>for a string literal</a:t>
             </a:r>
           </a:p>
           <a:p>

--- a/PowerPoints/05 - Lexical Analysis.pptx
+++ b/PowerPoints/05 - Lexical Analysis.pptx
@@ -9306,8 +9306,8 @@
         </p:nvCxnSpPr>
         <p:spPr bwMode="auto">
           <a:xfrm>
-            <a:off x="4571673" y="4268865"/>
-            <a:ext cx="791" cy="423776"/>
+            <a:off x="4571673" y="4238087"/>
+            <a:ext cx="791" cy="454554"/>
           </a:xfrm>
           <a:prstGeom prst="straightConnector1">
             <a:avLst/>
@@ -9333,8 +9333,8 @@
         </p:nvSpPr>
         <p:spPr bwMode="auto">
           <a:xfrm>
-            <a:off x="109714" y="3898891"/>
-            <a:ext cx="8923918" cy="369974"/>
+            <a:off x="607447" y="3898891"/>
+            <a:ext cx="7928452" cy="339196"/>
           </a:xfrm>
           <a:prstGeom prst="rect">
             <a:avLst/>
@@ -9354,7 +9354,7 @@
           <a:lstStyle/>
           <a:p>
             <a:r>
-              <a:rPr lang="en-US" sz="1800" dirty="0">
+              <a:rPr lang="en-US" sz="1600" dirty="0">
                 <a:latin typeface="Consolas" pitchFamily="49" charset="0"/>
               </a:rPr>
               <a:t>'y'   ' '   ':'   '='   ' '   'x'   ' '   '+'   ' '   '1'   '0'   '0'</a:t>
@@ -9391,248 +9391,6 @@
           </a:ln>
         </p:spPr>
       </p:cxnSp>
-      <p:grpSp>
-        <p:nvGrpSpPr>
-          <p:cNvPr id="7" name="Group 6"/>
-          <p:cNvGrpSpPr/>
-          <p:nvPr/>
-        </p:nvGrpSpPr>
-        <p:grpSpPr>
-          <a:xfrm>
-            <a:off x="196941" y="5649912"/>
-            <a:ext cx="8750118" cy="369974"/>
-            <a:chOff x="228600" y="5649912"/>
-            <a:chExt cx="8750118" cy="369974"/>
-          </a:xfrm>
-        </p:grpSpPr>
-        <p:sp>
-          <p:nvSpPr>
-            <p:cNvPr id="10254" name="Text Box 9"/>
-            <p:cNvSpPr txBox="1">
-              <a:spLocks noChangeArrowheads="1"/>
-            </p:cNvSpPr>
-            <p:nvPr/>
-          </p:nvSpPr>
-          <p:spPr bwMode="auto">
-            <a:xfrm>
-              <a:off x="228600" y="5649912"/>
-              <a:ext cx="2197718" cy="369974"/>
-            </a:xfrm>
-            <a:prstGeom prst="rect">
-              <a:avLst/>
-            </a:prstGeom>
-            <a:noFill/>
-            <a:ln w="9525">
-              <a:noFill/>
-              <a:miter lim="800000"/>
-              <a:headEnd/>
-              <a:tailEnd/>
-            </a:ln>
-          </p:spPr>
-          <p:txBody>
-            <a:bodyPr wrap="none" lIns="92075" tIns="46038" rIns="92075" bIns="46038">
-              <a:spAutoFit/>
-            </a:bodyPr>
-            <a:lstStyle/>
-            <a:p>
-              <a:r>
-                <a:rPr lang="en-US" sz="1800" dirty="0"/>
-                <a:t>identifier [“</a:t>
-              </a:r>
-              <a:r>
-                <a:rPr lang="en-US" sz="1800" dirty="0">
-                  <a:latin typeface="Consolas" pitchFamily="49" charset="0"/>
-                </a:rPr>
-                <a:t>y</a:t>
-              </a:r>
-              <a:r>
-                <a:rPr lang="en-US" sz="1800" dirty="0"/>
-                <a:t>”, (1, 1)]</a:t>
-              </a:r>
-            </a:p>
-          </p:txBody>
-        </p:sp>
-        <p:sp>
-          <p:nvSpPr>
-            <p:cNvPr id="10255" name="Text Box 10"/>
-            <p:cNvSpPr txBox="1">
-              <a:spLocks noChangeArrowheads="1"/>
-            </p:cNvSpPr>
-            <p:nvPr/>
-          </p:nvSpPr>
-          <p:spPr bwMode="auto">
-            <a:xfrm>
-              <a:off x="2470892" y="5649955"/>
-              <a:ext cx="1169988" cy="369888"/>
-            </a:xfrm>
-            <a:prstGeom prst="rect">
-              <a:avLst/>
-            </a:prstGeom>
-            <a:noFill/>
-            <a:ln w="9525">
-              <a:noFill/>
-              <a:miter lim="800000"/>
-              <a:headEnd/>
-              <a:tailEnd/>
-            </a:ln>
-          </p:spPr>
-          <p:txBody>
-            <a:bodyPr wrap="none" lIns="92075" tIns="46038" rIns="92075" bIns="46038">
-              <a:spAutoFit/>
-            </a:bodyPr>
-            <a:lstStyle/>
-            <a:p>
-              <a:r>
-                <a:rPr lang="en-US" sz="1800" dirty="0">
-                  <a:latin typeface="Consolas" pitchFamily="49" charset="0"/>
-                </a:rPr>
-                <a:t>:=</a:t>
-              </a:r>
-              <a:r>
-                <a:rPr lang="en-US" sz="1800" dirty="0"/>
-                <a:t> [(1, 3)]</a:t>
-              </a:r>
-            </a:p>
-          </p:txBody>
-        </p:sp>
-        <p:sp>
-          <p:nvSpPr>
-            <p:cNvPr id="10256" name="Text Box 11"/>
-            <p:cNvSpPr txBox="1">
-              <a:spLocks noChangeArrowheads="1"/>
-            </p:cNvSpPr>
-            <p:nvPr/>
-          </p:nvSpPr>
-          <p:spPr bwMode="auto">
-            <a:xfrm>
-              <a:off x="3685454" y="5649955"/>
-              <a:ext cx="1504951" cy="369888"/>
-            </a:xfrm>
-            <a:prstGeom prst="rect">
-              <a:avLst/>
-            </a:prstGeom>
-            <a:noFill/>
-            <a:ln w="9525">
-              <a:noFill/>
-              <a:miter lim="800000"/>
-              <a:headEnd/>
-              <a:tailEnd/>
-            </a:ln>
-          </p:spPr>
-          <p:txBody>
-            <a:bodyPr wrap="none" lIns="92075" tIns="46038" rIns="92075" bIns="46038">
-              <a:spAutoFit/>
-            </a:bodyPr>
-            <a:lstStyle/>
-            <a:p>
-              <a:r>
-                <a:rPr lang="en-US" sz="1800" dirty="0"/>
-                <a:t>id [“</a:t>
-              </a:r>
-              <a:r>
-                <a:rPr lang="en-US" sz="1800" dirty="0">
-                  <a:latin typeface="Consolas" pitchFamily="49" charset="0"/>
-                </a:rPr>
-                <a:t>x</a:t>
-              </a:r>
-              <a:r>
-                <a:rPr lang="en-US" sz="1800" dirty="0"/>
-                <a:t>”, (1, 6)]</a:t>
-              </a:r>
-            </a:p>
-          </p:txBody>
-        </p:sp>
-        <p:sp>
-          <p:nvSpPr>
-            <p:cNvPr id="10257" name="Text Box 12"/>
-            <p:cNvSpPr txBox="1">
-              <a:spLocks noChangeArrowheads="1"/>
-            </p:cNvSpPr>
-            <p:nvPr/>
-          </p:nvSpPr>
-          <p:spPr bwMode="auto">
-            <a:xfrm>
-              <a:off x="5234979" y="5649955"/>
-              <a:ext cx="1042988" cy="369888"/>
-            </a:xfrm>
-            <a:prstGeom prst="rect">
-              <a:avLst/>
-            </a:prstGeom>
-            <a:noFill/>
-            <a:ln w="9525">
-              <a:noFill/>
-              <a:miter lim="800000"/>
-              <a:headEnd/>
-              <a:tailEnd/>
-            </a:ln>
-          </p:spPr>
-          <p:txBody>
-            <a:bodyPr wrap="none" lIns="92075" tIns="46038" rIns="92075" bIns="46038">
-              <a:spAutoFit/>
-            </a:bodyPr>
-            <a:lstStyle/>
-            <a:p>
-              <a:r>
-                <a:rPr lang="en-US" sz="1800" dirty="0">
-                  <a:latin typeface="Consolas" pitchFamily="49" charset="0"/>
-                </a:rPr>
-                <a:t>+</a:t>
-              </a:r>
-              <a:r>
-                <a:rPr lang="en-US" sz="1800" dirty="0"/>
-                <a:t> [(1, 8)]</a:t>
-              </a:r>
-            </a:p>
-          </p:txBody>
-        </p:sp>
-        <p:sp>
-          <p:nvSpPr>
-            <p:cNvPr id="10258" name="Text Box 13"/>
-            <p:cNvSpPr txBox="1">
-              <a:spLocks noChangeArrowheads="1"/>
-            </p:cNvSpPr>
-            <p:nvPr/>
-          </p:nvSpPr>
-          <p:spPr bwMode="auto">
-            <a:xfrm>
-              <a:off x="6322542" y="5649912"/>
-              <a:ext cx="2656176" cy="369974"/>
-            </a:xfrm>
-            <a:prstGeom prst="rect">
-              <a:avLst/>
-            </a:prstGeom>
-            <a:noFill/>
-            <a:ln w="9525">
-              <a:noFill/>
-              <a:miter lim="800000"/>
-              <a:headEnd/>
-              <a:tailEnd/>
-            </a:ln>
-          </p:spPr>
-          <p:txBody>
-            <a:bodyPr wrap="none" lIns="92075" tIns="46038" rIns="92075" bIns="46038">
-              <a:spAutoFit/>
-            </a:bodyPr>
-            <a:lstStyle/>
-            <a:p>
-              <a:r>
-                <a:rPr lang="en-US" sz="1800" dirty="0"/>
-                <a:t>intLiteral [(“</a:t>
-              </a:r>
-              <a:r>
-                <a:rPr lang="en-US" sz="1800" dirty="0">
-                  <a:latin typeface="Consolas" pitchFamily="49" charset="0"/>
-                </a:rPr>
-                <a:t>100</a:t>
-              </a:r>
-              <a:r>
-                <a:rPr lang="en-US" sz="1800" dirty="0"/>
-                <a:t>”, (1, 10)]</a:t>
-              </a:r>
-            </a:p>
-          </p:txBody>
-        </p:sp>
-      </p:grpSp>
       <p:sp>
         <p:nvSpPr>
           <p:cNvPr id="10259" name="AutoShape 14"/>
@@ -9813,6 +9571,242 @@
           </a:ln>
         </p:spPr>
       </p:cxnSp>
+      <p:grpSp>
+        <p:nvGrpSpPr>
+          <p:cNvPr id="2" name="Group 1">
+            <a:extLst>
+              <a:ext uri="{FF2B5EF4-FFF2-40B4-BE49-F238E27FC236}">
+                <a16:creationId xmlns:a16="http://schemas.microsoft.com/office/drawing/2014/main" id="{6369C54D-6AAC-FC4A-74FE-5A4DFEA2FA68}"/>
+              </a:ext>
+            </a:extLst>
+          </p:cNvPr>
+          <p:cNvGrpSpPr/>
+          <p:nvPr/>
+        </p:nvGrpSpPr>
+        <p:grpSpPr>
+          <a:xfrm>
+            <a:off x="342900" y="5722407"/>
+            <a:ext cx="8458200" cy="339725"/>
+            <a:chOff x="304800" y="5334000"/>
+            <a:chExt cx="8458200" cy="339725"/>
+          </a:xfrm>
+        </p:grpSpPr>
+        <p:sp>
+          <p:nvSpPr>
+            <p:cNvPr id="3" name="Text Box 9">
+              <a:extLst>
+                <a:ext uri="{FF2B5EF4-FFF2-40B4-BE49-F238E27FC236}">
+                  <a16:creationId xmlns:a16="http://schemas.microsoft.com/office/drawing/2014/main" id="{EEFFB722-7A4F-81DE-9B81-06CD8CB299D6}"/>
+                </a:ext>
+              </a:extLst>
+            </p:cNvPr>
+            <p:cNvSpPr txBox="1">
+              <a:spLocks noChangeArrowheads="1"/>
+            </p:cNvSpPr>
+            <p:nvPr/>
+          </p:nvSpPr>
+          <p:spPr bwMode="auto">
+            <a:xfrm>
+              <a:off x="304800" y="5334000"/>
+              <a:ext cx="2027238" cy="339725"/>
+            </a:xfrm>
+            <a:prstGeom prst="rect">
+              <a:avLst/>
+            </a:prstGeom>
+            <a:noFill/>
+            <a:ln w="9525">
+              <a:noFill/>
+              <a:miter lim="800000"/>
+              <a:headEnd/>
+              <a:tailEnd/>
+            </a:ln>
+          </p:spPr>
+          <p:txBody>
+            <a:bodyPr wrap="none" lIns="92075" tIns="46038" rIns="92075" bIns="46038">
+              <a:spAutoFit/>
+            </a:bodyPr>
+            <a:lstStyle/>
+            <a:p>
+              <a:r>
+                <a:rPr lang="en-US" sz="1600" dirty="0"/>
+                <a:t>identifier [“y”, (1, 1)]</a:t>
+              </a:r>
+            </a:p>
+          </p:txBody>
+        </p:sp>
+        <p:sp>
+          <p:nvSpPr>
+            <p:cNvPr id="4" name="Text Box 10">
+              <a:extLst>
+                <a:ext uri="{FF2B5EF4-FFF2-40B4-BE49-F238E27FC236}">
+                  <a16:creationId xmlns:a16="http://schemas.microsoft.com/office/drawing/2014/main" id="{43097EC0-9CA3-F1D8-FF0C-EB9E372D1766}"/>
+                </a:ext>
+              </a:extLst>
+            </p:cNvPr>
+            <p:cNvSpPr txBox="1">
+              <a:spLocks noChangeArrowheads="1"/>
+            </p:cNvSpPr>
+            <p:nvPr/>
+          </p:nvSpPr>
+          <p:spPr bwMode="auto">
+            <a:xfrm>
+              <a:off x="2397522" y="5334000"/>
+              <a:ext cx="1017588" cy="339725"/>
+            </a:xfrm>
+            <a:prstGeom prst="rect">
+              <a:avLst/>
+            </a:prstGeom>
+            <a:noFill/>
+            <a:ln w="9525">
+              <a:noFill/>
+              <a:miter lim="800000"/>
+              <a:headEnd/>
+              <a:tailEnd/>
+            </a:ln>
+          </p:spPr>
+          <p:txBody>
+            <a:bodyPr wrap="none" lIns="92075" tIns="46038" rIns="92075" bIns="46038">
+              <a:spAutoFit/>
+            </a:bodyPr>
+            <a:lstStyle/>
+            <a:p>
+              <a:r>
+                <a:rPr lang="en-US" sz="1600" dirty="0"/>
+                <a:t>:= [(1, 3)]</a:t>
+              </a:r>
+            </a:p>
+          </p:txBody>
+        </p:sp>
+        <p:sp>
+          <p:nvSpPr>
+            <p:cNvPr id="5" name="Text Box 11">
+              <a:extLst>
+                <a:ext uri="{FF2B5EF4-FFF2-40B4-BE49-F238E27FC236}">
+                  <a16:creationId xmlns:a16="http://schemas.microsoft.com/office/drawing/2014/main" id="{D793D5E5-1412-B0E9-7435-340961CF4745}"/>
+                </a:ext>
+              </a:extLst>
+            </p:cNvPr>
+            <p:cNvSpPr txBox="1">
+              <a:spLocks noChangeArrowheads="1"/>
+            </p:cNvSpPr>
+            <p:nvPr/>
+          </p:nvSpPr>
+          <p:spPr bwMode="auto">
+            <a:xfrm>
+              <a:off x="3480594" y="5334000"/>
+              <a:ext cx="2027238" cy="339725"/>
+            </a:xfrm>
+            <a:prstGeom prst="rect">
+              <a:avLst/>
+            </a:prstGeom>
+            <a:noFill/>
+            <a:ln w="9525">
+              <a:noFill/>
+              <a:miter lim="800000"/>
+              <a:headEnd/>
+              <a:tailEnd/>
+            </a:ln>
+          </p:spPr>
+          <p:txBody>
+            <a:bodyPr wrap="none" lIns="92075" tIns="46038" rIns="92075" bIns="46038">
+              <a:spAutoFit/>
+            </a:bodyPr>
+            <a:lstStyle/>
+            <a:p>
+              <a:r>
+                <a:rPr lang="en-US" sz="1600" dirty="0"/>
+                <a:t>identifier [“x”, (1, 6)]</a:t>
+              </a:r>
+            </a:p>
+          </p:txBody>
+        </p:sp>
+        <p:sp>
+          <p:nvSpPr>
+            <p:cNvPr id="6" name="Text Box 12">
+              <a:extLst>
+                <a:ext uri="{FF2B5EF4-FFF2-40B4-BE49-F238E27FC236}">
+                  <a16:creationId xmlns:a16="http://schemas.microsoft.com/office/drawing/2014/main" id="{07C45523-D8C8-52A6-42C7-7D430D340403}"/>
+                </a:ext>
+              </a:extLst>
+            </p:cNvPr>
+            <p:cNvSpPr txBox="1">
+              <a:spLocks noChangeArrowheads="1"/>
+            </p:cNvSpPr>
+            <p:nvPr/>
+          </p:nvSpPr>
+          <p:spPr bwMode="auto">
+            <a:xfrm>
+              <a:off x="5573316" y="5334000"/>
+              <a:ext cx="960438" cy="339725"/>
+            </a:xfrm>
+            <a:prstGeom prst="rect">
+              <a:avLst/>
+            </a:prstGeom>
+            <a:noFill/>
+            <a:ln w="9525">
+              <a:noFill/>
+              <a:miter lim="800000"/>
+              <a:headEnd/>
+              <a:tailEnd/>
+            </a:ln>
+          </p:spPr>
+          <p:txBody>
+            <a:bodyPr wrap="none" lIns="92075" tIns="46038" rIns="92075" bIns="46038">
+              <a:spAutoFit/>
+            </a:bodyPr>
+            <a:lstStyle/>
+            <a:p>
+              <a:r>
+                <a:rPr lang="en-US" sz="1600" dirty="0"/>
+                <a:t>+ [(1, 8)]</a:t>
+              </a:r>
+            </a:p>
+          </p:txBody>
+        </p:sp>
+        <p:sp>
+          <p:nvSpPr>
+            <p:cNvPr id="8" name="Text Box 13">
+              <a:extLst>
+                <a:ext uri="{FF2B5EF4-FFF2-40B4-BE49-F238E27FC236}">
+                  <a16:creationId xmlns:a16="http://schemas.microsoft.com/office/drawing/2014/main" id="{E9B887E9-770D-7BD5-B133-39D12491F081}"/>
+                </a:ext>
+              </a:extLst>
+            </p:cNvPr>
+            <p:cNvSpPr txBox="1">
+              <a:spLocks noChangeArrowheads="1"/>
+            </p:cNvSpPr>
+            <p:nvPr/>
+          </p:nvSpPr>
+          <p:spPr bwMode="auto">
+            <a:xfrm>
+              <a:off x="6599237" y="5334000"/>
+              <a:ext cx="2163763" cy="339725"/>
+            </a:xfrm>
+            <a:prstGeom prst="rect">
+              <a:avLst/>
+            </a:prstGeom>
+            <a:noFill/>
+            <a:ln w="9525">
+              <a:noFill/>
+              <a:miter lim="800000"/>
+              <a:headEnd/>
+              <a:tailEnd/>
+            </a:ln>
+          </p:spPr>
+          <p:txBody>
+            <a:bodyPr wrap="none" lIns="92075" tIns="46038" rIns="92075" bIns="46038">
+              <a:spAutoFit/>
+            </a:bodyPr>
+            <a:lstStyle/>
+            <a:p>
+              <a:r>
+                <a:rPr lang="en-US" sz="1600" dirty="0"/>
+                <a:t>intLiteral [(“1”, (1, 10)]</a:t>
+              </a:r>
+            </a:p>
+          </p:txBody>
+        </p:sp>
+      </p:grpSp>
     </p:spTree>
   </p:cSld>
   <p:clrMapOvr>

--- a/PowerPoints/05 - Lexical Analysis.pptx
+++ b/PowerPoints/05 - Lexical Analysis.pptx
@@ -14507,7 +14507,15 @@
           <a:p>
             <a:r>
               <a:rPr lang="en-US" dirty="0"/>
-              <a:t>In general, our compiler will use Java’s exception handling mechanism to signal and report all errors.</a:t>
+              <a:t>In general, our compiler will </a:t>
+            </a:r>
+            <a:r>
+              <a:rPr lang="en-US"/>
+              <a:t>use Kotlin’s </a:t>
+            </a:r>
+            <a:r>
+              <a:rPr lang="en-US" dirty="0"/>
+              <a:t>exception handling mechanism to signal and report all errors.</a:t>
             </a:r>
           </a:p>
           <a:p>

--- a/PowerPoints/05 - Lexical Analysis.pptx
+++ b/PowerPoints/05 - Lexical Analysis.pptx
@@ -1,6 +1,6 @@
 
 <file path=ppt/presentation.xml><?xml version="1.0" encoding="utf-8"?>
-<p:presentation xmlns:a="http://schemas.openxmlformats.org/drawingml/2006/main" xmlns:r="http://schemas.openxmlformats.org/officeDocument/2006/relationships" xmlns:p="http://schemas.openxmlformats.org/presentationml/2006/main" saveSubsetFonts="1">
+<p:presentation xmlns:a="http://schemas.openxmlformats.org/drawingml/2006/main" xmlns:r="http://schemas.openxmlformats.org/officeDocument/2006/relationships" xmlns:p="http://schemas.openxmlformats.org/presentationml/2006/main" saveSubsetFonts="1" autoCompressPictures="0">
   <p:sldMasterIdLst>
     <p:sldMasterId id="2147483651" r:id="rId1"/>
   </p:sldMasterIdLst>
@@ -45,7 +45,7 @@
     <p:sldId id="358" r:id="rId33"/>
     <p:sldId id="359" r:id="rId34"/>
     <p:sldId id="287" r:id="rId35"/>
-    <p:sldId id="361" r:id="rId36"/>
+    <p:sldId id="362" r:id="rId36"/>
     <p:sldId id="282" r:id="rId37"/>
     <p:sldId id="284" r:id="rId38"/>
     <p:sldId id="283" r:id="rId39"/>
@@ -9576,7 +9576,7 @@
           <p:cNvPr id="2" name="Group 1">
             <a:extLst>
               <a:ext uri="{FF2B5EF4-FFF2-40B4-BE49-F238E27FC236}">
-                <a16:creationId xmlns:a16="http://schemas.microsoft.com/office/drawing/2014/main" id="{6369C54D-6AAC-FC4A-74FE-5A4DFEA2FA68}"/>
+                <a16:creationId xmlns:a16="http://schemas.microsoft.com/office/drawing/2014/main" id="{AED11170-DE81-0F14-A915-14088E5B761A}"/>
               </a:ext>
             </a:extLst>
           </p:cNvPr>
@@ -9585,10 +9585,10 @@
         </p:nvGrpSpPr>
         <p:grpSpPr>
           <a:xfrm>
-            <a:off x="342900" y="5722407"/>
-            <a:ext cx="8458200" cy="339725"/>
+            <a:off x="342900" y="5730874"/>
+            <a:ext cx="8572160" cy="339725"/>
             <a:chOff x="304800" y="5334000"/>
-            <a:chExt cx="8458200" cy="339725"/>
+            <a:chExt cx="8572160" cy="339725"/>
           </a:xfrm>
         </p:grpSpPr>
         <p:sp>
@@ -9596,7 +9596,7 @@
             <p:cNvPr id="3" name="Text Box 9">
               <a:extLst>
                 <a:ext uri="{FF2B5EF4-FFF2-40B4-BE49-F238E27FC236}">
-                  <a16:creationId xmlns:a16="http://schemas.microsoft.com/office/drawing/2014/main" id="{EEFFB722-7A4F-81DE-9B81-06CD8CB299D6}"/>
+                  <a16:creationId xmlns:a16="http://schemas.microsoft.com/office/drawing/2014/main" id="{656400F8-02EA-BBD4-3F24-FF3FCF7C980E}"/>
                 </a:ext>
               </a:extLst>
             </p:cNvPr>
@@ -9639,7 +9639,7 @@
             <p:cNvPr id="4" name="Text Box 10">
               <a:extLst>
                 <a:ext uri="{FF2B5EF4-FFF2-40B4-BE49-F238E27FC236}">
-                  <a16:creationId xmlns:a16="http://schemas.microsoft.com/office/drawing/2014/main" id="{43097EC0-9CA3-F1D8-FF0C-EB9E372D1766}"/>
+                  <a16:creationId xmlns:a16="http://schemas.microsoft.com/office/drawing/2014/main" id="{F0CD05E6-5035-BA72-5876-6AEA2F72F37B}"/>
                 </a:ext>
               </a:extLst>
             </p:cNvPr>
@@ -9650,7 +9650,7 @@
           </p:nvSpPr>
           <p:spPr bwMode="auto">
             <a:xfrm>
-              <a:off x="2397522" y="5334000"/>
+              <a:off x="2369032" y="5334000"/>
               <a:ext cx="1017588" cy="339725"/>
             </a:xfrm>
             <a:prstGeom prst="rect">
@@ -9682,7 +9682,7 @@
             <p:cNvPr id="5" name="Text Box 11">
               <a:extLst>
                 <a:ext uri="{FF2B5EF4-FFF2-40B4-BE49-F238E27FC236}">
-                  <a16:creationId xmlns:a16="http://schemas.microsoft.com/office/drawing/2014/main" id="{D793D5E5-1412-B0E9-7435-340961CF4745}"/>
+                  <a16:creationId xmlns:a16="http://schemas.microsoft.com/office/drawing/2014/main" id="{E9B4ED37-4ACC-38E3-B32C-0E87F3878F94}"/>
                 </a:ext>
               </a:extLst>
             </p:cNvPr>
@@ -9693,7 +9693,7 @@
           </p:nvSpPr>
           <p:spPr bwMode="auto">
             <a:xfrm>
-              <a:off x="3480594" y="5334000"/>
+              <a:off x="3423614" y="5334000"/>
               <a:ext cx="2027238" cy="339725"/>
             </a:xfrm>
             <a:prstGeom prst="rect">
@@ -9725,7 +9725,7 @@
             <p:cNvPr id="6" name="Text Box 12">
               <a:extLst>
                 <a:ext uri="{FF2B5EF4-FFF2-40B4-BE49-F238E27FC236}">
-                  <a16:creationId xmlns:a16="http://schemas.microsoft.com/office/drawing/2014/main" id="{07C45523-D8C8-52A6-42C7-7D430D340403}"/>
+                  <a16:creationId xmlns:a16="http://schemas.microsoft.com/office/drawing/2014/main" id="{704C6A92-12DD-F1E7-45F3-F8FDDD92F766}"/>
                 </a:ext>
               </a:extLst>
             </p:cNvPr>
@@ -9736,7 +9736,7 @@
           </p:nvSpPr>
           <p:spPr bwMode="auto">
             <a:xfrm>
-              <a:off x="5573316" y="5334000"/>
+              <a:off x="5487846" y="5334000"/>
               <a:ext cx="960438" cy="339725"/>
             </a:xfrm>
             <a:prstGeom prst="rect">
@@ -9768,7 +9768,7 @@
             <p:cNvPr id="8" name="Text Box 13">
               <a:extLst>
                 <a:ext uri="{FF2B5EF4-FFF2-40B4-BE49-F238E27FC236}">
-                  <a16:creationId xmlns:a16="http://schemas.microsoft.com/office/drawing/2014/main" id="{E9B887E9-770D-7BD5-B133-39D12491F081}"/>
+                  <a16:creationId xmlns:a16="http://schemas.microsoft.com/office/drawing/2014/main" id="{6E97AD05-9404-3F50-D33E-1B73B1009E2B}"/>
                 </a:ext>
               </a:extLst>
             </p:cNvPr>
@@ -9779,8 +9779,8 @@
           </p:nvSpPr>
           <p:spPr bwMode="auto">
             <a:xfrm>
-              <a:off x="6599237" y="5334000"/>
-              <a:ext cx="2163763" cy="339725"/>
+              <a:off x="6485279" y="5334000"/>
+              <a:ext cx="2391681" cy="339196"/>
             </a:xfrm>
             <a:prstGeom prst="rect">
               <a:avLst/>
@@ -9801,7 +9801,7 @@
             <a:p>
               <a:r>
                 <a:rPr lang="en-US" sz="1600" dirty="0"/>
-                <a:t>intLiteral [(“1”, (1, 10)]</a:t>
+                <a:t>intLiteral [(“100”, (1, 10)]</a:t>
               </a:r>
             </a:p>
           </p:txBody>
@@ -11139,7 +11139,11 @@
           <a:p>
             <a:r>
               <a:rPr lang="en-US" sz="2300" dirty="0"/>
-              <a:t>Most parsing decisions can be made by using the symbol returned from property </a:t>
+              <a:t>Most parsing decisions can be made by using the symbol returned </a:t>
+            </a:r>
+            <a:r>
+              <a:rPr lang="en-US" sz="2300"/>
+              <a:t>from property </a:t>
             </a:r>
             <a:r>
               <a:rPr lang="en-US" sz="2300" dirty="0">
@@ -11513,11 +11517,14 @@
               <a:buNone/>
             </a:pPr>
             <a:r>
-              <a:rPr lang="en-US" sz="1750" dirty="0">
+              <a:rPr lang="en-US" sz="1750">
                 <a:latin typeface="Consolas" pitchFamily="49" charset="0"/>
               </a:rPr>
               <a:t>    var position = Position()</a:t>
             </a:r>
+            <a:endParaRPr lang="en-US" sz="1750" dirty="0">
+              <a:latin typeface="Consolas" pitchFamily="49" charset="0"/>
+            </a:endParaRPr>
           </a:p>
           <a:p>
             <a:pPr marL="0" indent="0">
@@ -15429,7 +15436,7 @@
     </p:spTree>
     <p:extLst>
       <p:ext uri="{BB962C8B-B14F-4D97-AF65-F5344CB8AC3E}">
-        <p14:creationId xmlns:p14="http://schemas.microsoft.com/office/powerpoint/2010/main" val="654559074"/>
+        <p14:creationId xmlns:p14="http://schemas.microsoft.com/office/powerpoint/2010/main" val="621235927"/>
       </p:ext>
     </p:extLst>
   </p:cSld>
@@ -17699,19 +17706,76 @@
               <a:rPr lang="en-US" sz="1800" dirty="0">
                 <a:latin typeface="Consolas" pitchFamily="49" charset="0"/>
               </a:rPr>
+              <a:t>   = </a:t>
+            </a:r>
+            <a:r>
+              <a:rPr lang="en-US" sz="1800" dirty="0" err="1">
+                <a:latin typeface="Consolas" pitchFamily="49" charset="0"/>
+              </a:rPr>
+              <a:t>args</a:t>
+            </a:r>
+            <a:r>
+              <a:rPr lang="en-US" sz="1800" dirty="0">
+                <a:latin typeface="Consolas" pitchFamily="49" charset="0"/>
+              </a:rPr>
+              <a:t>[0]</a:t>
+            </a:r>
+          </a:p>
+          <a:p>
+            <a:pPr marL="91440" indent="0">
+              <a:spcBef>
+                <a:spcPts val="0"/>
+              </a:spcBef>
+              <a:buFontTx/>
+              <a:buNone/>
+            </a:pPr>
+            <a:r>
+              <a:rPr lang="en-US" sz="1800" dirty="0" err="1">
+                <a:latin typeface="Consolas" pitchFamily="49" charset="0"/>
+              </a:rPr>
+              <a:t>val</a:t>
+            </a:r>
+            <a:r>
+              <a:rPr lang="en-US" sz="1800" dirty="0">
+                <a:latin typeface="Consolas" pitchFamily="49" charset="0"/>
+              </a:rPr>
+              <a:t> </a:t>
+            </a:r>
+            <a:r>
+              <a:rPr lang="en-US" sz="1800" dirty="0" err="1">
+                <a:latin typeface="Consolas" pitchFamily="49" charset="0"/>
+              </a:rPr>
+              <a:t>fileReader</a:t>
+            </a:r>
+            <a:r>
+              <a:rPr lang="en-US" sz="1800" dirty="0">
+                <a:latin typeface="Consolas" pitchFamily="49" charset="0"/>
+              </a:rPr>
               <a:t> = </a:t>
             </a:r>
             <a:r>
               <a:rPr lang="en-US" sz="1800" dirty="0" err="1">
                 <a:latin typeface="Consolas" pitchFamily="49" charset="0"/>
               </a:rPr>
-              <a:t>args</a:t>
-            </a:r>
-            <a:r>
-              <a:rPr lang="en-US" sz="1800" dirty="0">
-                <a:latin typeface="Consolas" pitchFamily="49" charset="0"/>
-              </a:rPr>
-              <a:t>[0]</a:t>
+              <a:t>FileReader</a:t>
+            </a:r>
+            <a:r>
+              <a:rPr lang="en-US" sz="1800" dirty="0">
+                <a:latin typeface="Consolas" pitchFamily="49" charset="0"/>
+              </a:rPr>
+              <a:t>(</a:t>
+            </a:r>
+            <a:r>
+              <a:rPr lang="en-US" sz="1800" dirty="0" err="1">
+                <a:latin typeface="Consolas" pitchFamily="49" charset="0"/>
+              </a:rPr>
+              <a:t>fileName</a:t>
+            </a:r>
+            <a:r>
+              <a:rPr lang="en-US" sz="1800" dirty="0">
+                <a:latin typeface="Consolas" pitchFamily="49" charset="0"/>
+              </a:rPr>
+              <a:t>, Charsets.UTF_8)</a:t>
             </a:r>
           </a:p>
           <a:p>
@@ -17732,85 +17796,40 @@
               <a:rPr lang="en-US" sz="1800" dirty="0">
                 <a:latin typeface="Consolas" pitchFamily="49" charset="0"/>
               </a:rPr>
-              <a:t> reader   = </a:t>
+              <a:t> source     = Source(</a:t>
             </a:r>
             <a:r>
               <a:rPr lang="en-US" sz="1800" dirty="0" err="1">
                 <a:latin typeface="Consolas" pitchFamily="49" charset="0"/>
               </a:rPr>
-              <a:t>FileReader</a:t>
-            </a:r>
-            <a:r>
-              <a:rPr lang="en-US" sz="1800" dirty="0">
-                <a:latin typeface="Consolas" pitchFamily="49" charset="0"/>
-              </a:rPr>
-              <a:t>(</a:t>
-            </a:r>
+              <a:t>fileReader</a:t>
+            </a:r>
+            <a:r>
+              <a:rPr lang="en-US" sz="1800" dirty="0">
+                <a:latin typeface="Consolas" pitchFamily="49" charset="0"/>
+              </a:rPr>
+              <a:t>)</a:t>
+            </a:r>
+          </a:p>
+          <a:p>
+            <a:pPr marL="91440" indent="0">
+              <a:spcBef>
+                <a:spcPts val="0"/>
+              </a:spcBef>
+              <a:buFontTx/>
+              <a:buNone/>
+            </a:pPr>
             <a:r>
               <a:rPr lang="en-US" sz="1800" dirty="0" err="1">
                 <a:latin typeface="Consolas" pitchFamily="49" charset="0"/>
               </a:rPr>
-              <a:t>fileName</a:t>
-            </a:r>
-            <a:r>
-              <a:rPr lang="en-US" sz="1800" dirty="0">
-                <a:latin typeface="Consolas" pitchFamily="49" charset="0"/>
-              </a:rPr>
-              <a:t>, Charsets.UTF_8)</a:t>
-            </a:r>
-          </a:p>
-          <a:p>
-            <a:pPr marL="91440" indent="0">
-              <a:spcBef>
-                <a:spcPts val="0"/>
-              </a:spcBef>
-              <a:buFontTx/>
-              <a:buNone/>
-            </a:pPr>
-            <a:r>
-              <a:rPr lang="en-US" sz="1800" dirty="0" err="1">
-                <a:latin typeface="Consolas" pitchFamily="49" charset="0"/>
-              </a:rPr>
               <a:t>val</a:t>
             </a:r>
             <a:r>
               <a:rPr lang="en-US" sz="1800" dirty="0">
                 <a:latin typeface="Consolas" pitchFamily="49" charset="0"/>
               </a:rPr>
-              <a:t> source   = Source(</a:t>
-            </a:r>
-            <a:r>
-              <a:rPr lang="en-US" sz="1800" dirty="0" err="1">
-                <a:latin typeface="Consolas" pitchFamily="49" charset="0"/>
-              </a:rPr>
-              <a:t>fileReader</a:t>
-            </a:r>
-            <a:r>
-              <a:rPr lang="en-US" sz="1800" dirty="0">
-                <a:latin typeface="Consolas" pitchFamily="49" charset="0"/>
-              </a:rPr>
-              <a:t>)</a:t>
-            </a:r>
-          </a:p>
-          <a:p>
-            <a:pPr marL="91440" indent="0">
-              <a:spcBef>
-                <a:spcPts val="0"/>
-              </a:spcBef>
-              <a:buFontTx/>
-              <a:buNone/>
-            </a:pPr>
-            <a:r>
-              <a:rPr lang="en-US" sz="1800" dirty="0" err="1">
-                <a:latin typeface="Consolas" pitchFamily="49" charset="0"/>
-              </a:rPr>
-              <a:t>val</a:t>
-            </a:r>
-            <a:r>
-              <a:rPr lang="en-US" sz="1800" dirty="0">
-                <a:latin typeface="Consolas" pitchFamily="49" charset="0"/>
-              </a:rPr>
-              <a:t> out      = </a:t>
+              <a:t> out        = </a:t>
             </a:r>
             <a:r>
               <a:rPr lang="en-US" sz="1800" dirty="0" err="1">
